--- a/Garbage Collector.pptx
+++ b/Garbage Collector.pptx
@@ -289,7 +289,7 @@
           <a:p>
             <a:fld id="{9C359283-F5C1-4907-BFFA-94DB442AAAF2}" type="datetimeFigureOut">
               <a:rPr lang="en-US" smtClean="0"/>
-              <a:t>11/03/2014</a:t>
+              <a:t>4/19/2019</a:t>
             </a:fld>
             <a:endParaRPr lang="en-US"/>
           </a:p>
@@ -464,7 +464,7 @@
           <a:p>
             <a:fld id="{9C359283-F5C1-4907-BFFA-94DB442AAAF2}" type="datetimeFigureOut">
               <a:rPr lang="en-US" smtClean="0"/>
-              <a:t>11/03/2014</a:t>
+              <a:t>4/19/2019</a:t>
             </a:fld>
             <a:endParaRPr lang="en-US"/>
           </a:p>
@@ -649,7 +649,7 @@
           <a:p>
             <a:fld id="{9C359283-F5C1-4907-BFFA-94DB442AAAF2}" type="datetimeFigureOut">
               <a:rPr lang="en-US" smtClean="0"/>
-              <a:t>11/03/2014</a:t>
+              <a:t>4/19/2019</a:t>
             </a:fld>
             <a:endParaRPr lang="en-US"/>
           </a:p>
@@ -824,7 +824,7 @@
           <a:p>
             <a:fld id="{9C359283-F5C1-4907-BFFA-94DB442AAAF2}" type="datetimeFigureOut">
               <a:rPr lang="en-US" smtClean="0"/>
-              <a:t>11/03/2014</a:t>
+              <a:t>4/19/2019</a:t>
             </a:fld>
             <a:endParaRPr lang="en-US"/>
           </a:p>
@@ -1076,7 +1076,7 @@
           <a:p>
             <a:fld id="{9C359283-F5C1-4907-BFFA-94DB442AAAF2}" type="datetimeFigureOut">
               <a:rPr lang="en-US" smtClean="0"/>
-              <a:t>11/03/2014</a:t>
+              <a:t>4/19/2019</a:t>
             </a:fld>
             <a:endParaRPr lang="en-US"/>
           </a:p>
@@ -1350,7 +1350,7 @@
           <a:p>
             <a:fld id="{9C359283-F5C1-4907-BFFA-94DB442AAAF2}" type="datetimeFigureOut">
               <a:rPr lang="en-US" smtClean="0"/>
-              <a:t>11/03/2014</a:t>
+              <a:t>4/19/2019</a:t>
             </a:fld>
             <a:endParaRPr lang="en-US"/>
           </a:p>
@@ -1738,7 +1738,7 @@
           <a:p>
             <a:fld id="{9C359283-F5C1-4907-BFFA-94DB442AAAF2}" type="datetimeFigureOut">
               <a:rPr lang="en-US" smtClean="0"/>
-              <a:t>11/03/2014</a:t>
+              <a:t>4/19/2019</a:t>
             </a:fld>
             <a:endParaRPr lang="en-US"/>
           </a:p>
@@ -1898,7 +1898,7 @@
           <a:p>
             <a:fld id="{9C359283-F5C1-4907-BFFA-94DB442AAAF2}" type="datetimeFigureOut">
               <a:rPr lang="en-US" smtClean="0"/>
-              <a:t>11/03/2014</a:t>
+              <a:t>4/19/2019</a:t>
             </a:fld>
             <a:endParaRPr lang="en-US"/>
           </a:p>
@@ -1998,7 +1998,7 @@
           <a:p>
             <a:fld id="{9C359283-F5C1-4907-BFFA-94DB442AAAF2}" type="datetimeFigureOut">
               <a:rPr lang="en-US" smtClean="0"/>
-              <a:t>11/03/2014</a:t>
+              <a:t>4/19/2019</a:t>
             </a:fld>
             <a:endParaRPr lang="en-US"/>
           </a:p>
@@ -2269,7 +2269,7 @@
           <a:p>
             <a:fld id="{9C359283-F5C1-4907-BFFA-94DB442AAAF2}" type="datetimeFigureOut">
               <a:rPr lang="en-US" smtClean="0"/>
-              <a:t>11/03/2014</a:t>
+              <a:t>4/19/2019</a:t>
             </a:fld>
             <a:endParaRPr lang="en-US"/>
           </a:p>
@@ -2567,7 +2567,7 @@
           <a:p>
             <a:fld id="{9C359283-F5C1-4907-BFFA-94DB442AAAF2}" type="datetimeFigureOut">
               <a:rPr lang="en-US" smtClean="0"/>
-              <a:t>11/03/2014</a:t>
+              <a:t>4/19/2019</a:t>
             </a:fld>
             <a:endParaRPr lang="en-US"/>
           </a:p>
@@ -3348,7 +3348,7 @@
           <a:p>
             <a:fld id="{9C359283-F5C1-4907-BFFA-94DB442AAAF2}" type="datetimeFigureOut">
               <a:rPr lang="en-US" smtClean="0"/>
-              <a:t>11/03/2014</a:t>
+              <a:t>4/19/2019</a:t>
             </a:fld>
             <a:endParaRPr lang="en-US"/>
           </a:p>
@@ -4013,7 +4013,7 @@
       </p:sp>
       <p:sp>
         <p:nvSpPr>
-          <p:cNvPr id="3" name="Subtitle 2"/>
+          <p:cNvPr id="4" name="Subtitle 3"/>
           <p:cNvSpPr>
             <a:spLocks noGrp="1"/>
           </p:cNvSpPr>
@@ -4021,31 +4021,12 @@
             <p:ph type="subTitle" idx="1"/>
           </p:nvPr>
         </p:nvSpPr>
-        <p:spPr>
-          <a:xfrm>
-            <a:off x="6400800" y="5181600"/>
-            <a:ext cx="2438400" cy="838200"/>
-          </a:xfrm>
-        </p:spPr>
-        <p:txBody>
-          <a:bodyPr>
-            <a:normAutofit fontScale="92500" lnSpcReduction="10000"/>
-          </a:bodyPr>
-          <a:lstStyle/>
-          <a:p>
-            <a:pPr algn="l"/>
-            <a:r>
-              <a:rPr lang="en-US" dirty="0" smtClean="0"/>
-              <a:t>Presentation  by</a:t>
-            </a:r>
-          </a:p>
-          <a:p>
-            <a:pPr algn="l"/>
-            <a:r>
-              <a:rPr lang="en-US" dirty="0" smtClean="0"/>
-              <a:t>Abhishek Shah</a:t>
-            </a:r>
-            <a:endParaRPr lang="en-US" dirty="0"/>
+        <p:spPr/>
+        <p:txBody>
+          <a:bodyPr/>
+          <a:lstStyle/>
+          <a:p>
+            <a:endParaRPr lang="en-IN"/>
           </a:p>
         </p:txBody>
       </p:sp>
@@ -4417,21 +4398,7 @@
                 <a:latin typeface="Times New Roman" pitchFamily="18" charset="0"/>
                 <a:cs typeface="Times New Roman" pitchFamily="18" charset="0"/>
               </a:rPr>
-              <a:t>We need to ensure paging when physical memory pressure is high and not when </a:t>
-            </a:r>
-            <a:r>
-              <a:rPr lang="en-US" sz="2400" dirty="0" smtClean="0">
-                <a:latin typeface="Times New Roman" pitchFamily="18" charset="0"/>
-                <a:cs typeface="Times New Roman" pitchFamily="18" charset="0"/>
-              </a:rPr>
-              <a:t>physical memory pressure is low.</a:t>
-            </a:r>
-            <a:r>
-              <a:rPr lang="en-US" sz="2400" dirty="0" smtClean="0">
-                <a:latin typeface="Times New Roman" pitchFamily="18" charset="0"/>
-                <a:cs typeface="Times New Roman" pitchFamily="18" charset="0"/>
-              </a:rPr>
-              <a:t>  </a:t>
+              <a:t>We need to ensure paging when physical memory pressure is high and not when physical memory pressure is low.  </a:t>
             </a:r>
             <a:endParaRPr lang="en-US" sz="2400" dirty="0">
               <a:latin typeface="Times New Roman" pitchFamily="18" charset="0"/>
